--- a/06 Graph databases. Neo4j/06  Graph Databases.pptx
+++ b/06 Graph databases. Neo4j/06  Graph Databases.pptx
@@ -18498,17 +18498,6 @@
                 <a:spcPct val="120000"/>
               </a:lnSpc>
             </a:pPr>
-            <a:endParaRPr lang="en" sz="2000" dirty="0">
-              <a:latin typeface="Avenir Medium"/>
-              <a:cs typeface="Avenir Medium"/>
-            </a:endParaRPr>
-          </a:p>
-          <a:p>
-            <a:pPr>
-              <a:lnSpc>
-                <a:spcPct val="120000"/>
-              </a:lnSpc>
-            </a:pPr>
             <a:r>
               <a:rPr lang="en" sz="2000" dirty="0">
                 <a:latin typeface="Avenir Medium"/>
@@ -18604,7 +18593,7 @@
                 <a:spcPct val="120000"/>
               </a:lnSpc>
             </a:pPr>
-            <a:endParaRPr lang="en" sz="2000" dirty="0">
+            <a:endParaRPr lang="ro-RO" sz="1000" dirty="0">
               <a:latin typeface="Avenir Medium"/>
               <a:cs typeface="Avenir Medium"/>
             </a:endParaRPr>
@@ -18616,6 +18605,114 @@
               </a:lnSpc>
             </a:pPr>
             <a:r>
+              <a:rPr lang="ro-RO" sz="2000" dirty="0" err="1">
+                <a:latin typeface="Avenir Medium"/>
+                <a:cs typeface="Avenir Medium"/>
+              </a:rPr>
+              <a:t>Cypher</a:t>
+            </a:r>
+            <a:r>
+              <a:rPr lang="ro-RO" sz="2000" dirty="0">
+                <a:latin typeface="Avenir Medium"/>
+                <a:cs typeface="Avenir Medium"/>
+              </a:rPr>
+              <a:t> </a:t>
+            </a:r>
+            <a:r>
+              <a:rPr lang="ro-RO" sz="2000" dirty="0" err="1">
+                <a:latin typeface="Avenir Medium"/>
+                <a:cs typeface="Avenir Medium"/>
+              </a:rPr>
+              <a:t>Query</a:t>
+            </a:r>
+            <a:r>
+              <a:rPr lang="ro-RO" sz="2000" dirty="0">
+                <a:latin typeface="Avenir Medium"/>
+                <a:cs typeface="Avenir Medium"/>
+              </a:rPr>
+              <a:t> </a:t>
+            </a:r>
+            <a:r>
+              <a:rPr lang="ro-RO" sz="2000" dirty="0" err="1">
+                <a:latin typeface="Avenir Medium"/>
+                <a:cs typeface="Avenir Medium"/>
+              </a:rPr>
+              <a:t>Language</a:t>
+            </a:r>
+            <a:r>
+              <a:rPr lang="ro-RO" sz="2000" dirty="0">
+                <a:latin typeface="Avenir Medium"/>
+                <a:cs typeface="Avenir Medium"/>
+              </a:rPr>
+              <a:t> </a:t>
+            </a:r>
+            <a:r>
+              <a:rPr lang="ro-RO" sz="2000" dirty="0" err="1">
+                <a:latin typeface="Avenir Medium"/>
+                <a:cs typeface="Avenir Medium"/>
+              </a:rPr>
+              <a:t>Reference</a:t>
+            </a:r>
+            <a:r>
+              <a:rPr lang="ro-RO" sz="2000" dirty="0">
+                <a:latin typeface="Avenir Medium"/>
+                <a:cs typeface="Avenir Medium"/>
+              </a:rPr>
+              <a:t>, </a:t>
+            </a:r>
+            <a:r>
+              <a:rPr lang="ro-RO" sz="2000" dirty="0" err="1">
+                <a:latin typeface="Avenir Medium"/>
+                <a:cs typeface="Avenir Medium"/>
+              </a:rPr>
+              <a:t>Version</a:t>
+            </a:r>
+            <a:r>
+              <a:rPr lang="ro-RO" sz="2000" dirty="0">
+                <a:latin typeface="Avenir Medium"/>
+                <a:cs typeface="Avenir Medium"/>
+              </a:rPr>
+              <a:t> 9</a:t>
+            </a:r>
+          </a:p>
+          <a:p>
+            <a:pPr marL="402336" lvl="1" indent="0">
+              <a:lnSpc>
+                <a:spcPct val="120000"/>
+              </a:lnSpc>
+              <a:buNone/>
+            </a:pPr>
+            <a:r>
+              <a:rPr lang="ro-RO" sz="1600" dirty="0">
+                <a:latin typeface="Avenir Medium"/>
+                <a:cs typeface="Avenir Medium"/>
+                <a:hlinkClick r:id="rId5"/>
+              </a:rPr>
+              <a:t>https://s3.amazonaws.com/artifacts.opencypher.org/openCypher9.pdf</a:t>
+            </a:r>
+            <a:endParaRPr lang="ro-RO" sz="1600" dirty="0">
+              <a:latin typeface="Avenir Medium"/>
+              <a:cs typeface="Avenir Medium"/>
+            </a:endParaRPr>
+          </a:p>
+          <a:p>
+            <a:pPr>
+              <a:lnSpc>
+                <a:spcPct val="120000"/>
+              </a:lnSpc>
+            </a:pPr>
+            <a:endParaRPr lang="en" sz="1000" dirty="0">
+              <a:latin typeface="Avenir Medium"/>
+              <a:cs typeface="Avenir Medium"/>
+            </a:endParaRPr>
+          </a:p>
+          <a:p>
+            <a:pPr>
+              <a:lnSpc>
+                <a:spcPct val="120000"/>
+              </a:lnSpc>
+            </a:pPr>
+            <a:r>
               <a:rPr lang="en" sz="2000" dirty="0">
                 <a:latin typeface="Avenir Medium"/>
                 <a:cs typeface="Avenir Medium"/>
@@ -18720,7 +18817,7 @@
                 <a:spcPct val="120000"/>
               </a:lnSpc>
             </a:pPr>
-            <a:endParaRPr lang="en" sz="2000" dirty="0">
+            <a:endParaRPr lang="en" sz="1000" dirty="0">
               <a:latin typeface="Avenir Medium"/>
               <a:cs typeface="Avenir Medium"/>
             </a:endParaRPr>

--- a/06 Graph databases. Neo4j/06  Graph Databases.pptx
+++ b/06 Graph databases. Neo4j/06  Graph Databases.pptx
@@ -14588,7 +14588,7 @@
           <a:p>
             <a:pPr algn="ctr"/>
             <a:r>
-              <a:rPr lang="en-US" sz="6000" b="0" dirty="0">
+              <a:rPr lang="en-US" sz="3200" b="0" dirty="0">
                 <a:latin typeface="American Typewriter"/>
                 <a:ea typeface="Arial Unicode MS" panose="020B0604020202020204" pitchFamily="34" charset="-128"/>
                 <a:cs typeface="American Typewriter"/>
@@ -18533,17 +18533,6 @@
             </a:endParaRPr>
           </a:p>
           <a:p>
-            <a:pPr lvl="1"/>
-            <a:r>
-              <a:rPr lang="en-US" sz="1600" dirty="0">
-                <a:latin typeface="Arial Unicode MS" panose="020B0604020202020204" pitchFamily="34" charset="-128"/>
-                <a:ea typeface="Arial Unicode MS" panose="020B0604020202020204" pitchFamily="34" charset="-128"/>
-                <a:cs typeface="Arial Unicode MS" panose="020B0604020202020204" pitchFamily="34" charset="-128"/>
-              </a:rPr>
-              <a:t>Neo4j Cheat Sheet</a:t>
-            </a:r>
-          </a:p>
-          <a:p>
             <a:pPr marL="658368" lvl="2" indent="0">
               <a:buNone/>
             </a:pPr>
@@ -18553,34 +18542,7 @@
                 <a:cs typeface="Avenir Medium"/>
                 <a:hlinkClick r:id="rId3"/>
               </a:rPr>
-              <a:t>http://www.neo4j.org/resources/cypher</a:t>
-            </a:r>
-            <a:endParaRPr lang="en-US" sz="2000" dirty="0">
-              <a:latin typeface="Avenir Medium"/>
-              <a:cs typeface="Avenir Medium"/>
-            </a:endParaRPr>
-          </a:p>
-          <a:p>
-            <a:pPr lvl="1"/>
-            <a:r>
-              <a:rPr lang="en-US" sz="1600" dirty="0">
-                <a:latin typeface="Avenir Medium"/>
-                <a:cs typeface="Avenir Medium"/>
-              </a:rPr>
-              <a:t>Cypher Track Start</a:t>
-            </a:r>
-          </a:p>
-          <a:p>
-            <a:pPr marL="658368" lvl="2" indent="0">
-              <a:buNone/>
-            </a:pPr>
-            <a:r>
-              <a:rPr lang="en-US" sz="1800" dirty="0">
-                <a:latin typeface="Avenir Medium"/>
-                <a:cs typeface="Avenir Medium"/>
-                <a:hlinkClick r:id="rId4"/>
-              </a:rPr>
-              <a:t>http://www.neo4j.org/tracks/cypher_track_start</a:t>
+              <a:t>https://neo4j.com/developer/resources/</a:t>
             </a:r>
             <a:endParaRPr lang="en-US" sz="1800" dirty="0">
               <a:latin typeface="Avenir Medium"/>
@@ -18686,7 +18648,7 @@
               <a:rPr lang="ro-RO" sz="1600" dirty="0">
                 <a:latin typeface="Avenir Medium"/>
                 <a:cs typeface="Avenir Medium"/>
-                <a:hlinkClick r:id="rId5"/>
+                <a:hlinkClick r:id="rId4"/>
               </a:rPr>
               <a:t>https://s3.amazonaws.com/artifacts.opencypher.org/openCypher9.pdf</a:t>
             </a:r>
